--- a/Data 시각화(Python&Django)/평가/BigData 분석결과 및 시각화_평가.pptx
+++ b/Data 시각화(Python&Django)/평가/BigData 분석결과 및 시각화_평가.pptx
@@ -10,18 +10,21 @@
     <p:sldId id="260" r:id="rId4"/>
     <p:sldId id="266" r:id="rId5"/>
     <p:sldId id="267" r:id="rId6"/>
-    <p:sldId id="268" r:id="rId7"/>
-    <p:sldId id="269" r:id="rId8"/>
-    <p:sldId id="270" r:id="rId9"/>
-    <p:sldId id="271" r:id="rId10"/>
-    <p:sldId id="272" r:id="rId11"/>
-    <p:sldId id="284" r:id="rId12"/>
-    <p:sldId id="285" r:id="rId13"/>
-    <p:sldId id="273" r:id="rId14"/>
-    <p:sldId id="274" r:id="rId15"/>
-    <p:sldId id="275" r:id="rId16"/>
-    <p:sldId id="286" r:id="rId17"/>
-    <p:sldId id="283" r:id="rId18"/>
+    <p:sldId id="287" r:id="rId7"/>
+    <p:sldId id="288" r:id="rId8"/>
+    <p:sldId id="289" r:id="rId9"/>
+    <p:sldId id="268" r:id="rId10"/>
+    <p:sldId id="269" r:id="rId11"/>
+    <p:sldId id="270" r:id="rId12"/>
+    <p:sldId id="271" r:id="rId13"/>
+    <p:sldId id="272" r:id="rId14"/>
+    <p:sldId id="284" r:id="rId15"/>
+    <p:sldId id="285" r:id="rId16"/>
+    <p:sldId id="273" r:id="rId17"/>
+    <p:sldId id="274" r:id="rId18"/>
+    <p:sldId id="275" r:id="rId19"/>
+    <p:sldId id="286" r:id="rId20"/>
+    <p:sldId id="283" r:id="rId21"/>
   </p:sldIdLst>
   <p:sldSz cx="12192000" cy="6858000"/>
   <p:notesSz cx="6858000" cy="9144000"/>
@@ -3864,6 +3867,306 @@
             </a:pPr>
             <a:r>
               <a:rPr lang="ko-KR" altLang="en-US"/>
+              <a:t>댓글 작성</a:t>
+            </a:r>
+            <a:endParaRPr lang="ko-KR" altLang="en-US"/>
+          </a:p>
+        </p:txBody>
+      </p:sp>
+      <p:pic>
+        <p:nvPicPr>
+          <p:cNvPr id="4" name="그림 3"/>
+          <p:cNvPicPr>
+            <a:picLocks noChangeAspect="1"/>
+          </p:cNvPicPr>
+          <p:nvPr/>
+        </p:nvPicPr>
+        <p:blipFill rotWithShape="1">
+          <a:blip r:embed="rId2"/>
+          <a:stretch>
+            <a:fillRect/>
+          </a:stretch>
+        </p:blipFill>
+        <p:spPr>
+          <a:xfrm>
+            <a:off x="451043" y="1280764"/>
+            <a:ext cx="10144888" cy="4852567"/>
+          </a:xfrm>
+          <a:prstGeom prst="rect">
+            <a:avLst/>
+          </a:prstGeom>
+        </p:spPr>
+      </p:pic>
+    </p:spTree>
+    <p:extLst>
+      <p:ext uri="{BB962C8B-B14F-4D97-AF65-F5344CB8AC3E}">
+        <p14:creationId xmlns:p14="http://schemas.microsoft.com/office/powerpoint/2010/main" val="1072697887"/>
+      </p:ext>
+    </p:extLst>
+  </p:cSld>
+  <p:clrMapOvr>
+    <a:masterClrMapping/>
+  </p:clrMapOvr>
+  <mc:AlternateContent xmlns:mc="http://schemas.openxmlformats.org/markup-compatibility/2006">
+    <mc:Choice xmlns:p14="http://schemas.microsoft.com/office/powerpoint/2010/main" Requires="p14">
+      <p:transition xmlns:mc="http://schemas.openxmlformats.org/markup-compatibility/2006" xmlns:p14="http://schemas.microsoft.com/office/powerpoint/2010/main" mc:Ignorable="p14" p14:dur="700">
+        <p:fade/>
+      </p:transition>
+    </mc:Choice>
+    <mc:Fallback>
+      <p:transition xmlns:mc="http://schemas.openxmlformats.org/markup-compatibility/2006" xmlns:hp="http://schemas.haansoft.com/office/presentation/8.0" mc:Ignorable="hp" hp:hslDur="700">
+        <p:fade/>
+      </p:transition>
+    </mc:Fallback>
+  </mc:AlternateContent>
+</p:sld>
+</file>
+
+<file path=ppt/slides/slide11.xml><?xml version="1.0" encoding="utf-8"?>
+<p:sld xmlns:r="http://schemas.openxmlformats.org/officeDocument/2006/relationships" xmlns:c="http://schemas.openxmlformats.org/drawingml/2006/chart" xmlns:a="http://schemas.openxmlformats.org/drawingml/2006/main" xmlns:dgm="http://schemas.openxmlformats.org/drawingml/2006/diagram" xmlns:dsp="http://schemas.microsoft.com/office/drawing/2008/diagram" xmlns:p="http://schemas.openxmlformats.org/presentationml/2006/main">
+  <p:cSld>
+    <p:spTree>
+      <p:nvGrpSpPr>
+        <p:cNvPr id="1" name=""/>
+        <p:cNvGrpSpPr/>
+        <p:nvPr/>
+      </p:nvGrpSpPr>
+      <p:grpSpPr>
+        <a:xfrm>
+          <a:off x="0" y="0"/>
+          <a:ext cx="0" cy="0"/>
+          <a:chOff x="0" y="0"/>
+          <a:chExt cx="0" cy="0"/>
+        </a:xfrm>
+      </p:grpSpPr>
+      <p:sp>
+        <p:nvSpPr>
+          <p:cNvPr id="3" name="제목 2"/>
+          <p:cNvSpPr>
+            <a:spLocks noGrp="1"/>
+          </p:cNvSpPr>
+          <p:nvPr>
+            <p:ph type="title" idx="0"/>
+          </p:nvPr>
+        </p:nvSpPr>
+        <p:spPr/>
+        <p:txBody>
+          <a:bodyPr/>
+          <a:lstStyle/>
+          <a:p>
+            <a:pPr lvl="0">
+              <a:defRPr/>
+            </a:pPr>
+            <a:r>
+              <a:rPr lang="ko-KR" altLang="en-US"/>
+              <a:t>페이징과 검색</a:t>
+            </a:r>
+            <a:endParaRPr lang="ko-KR" altLang="en-US"/>
+          </a:p>
+        </p:txBody>
+      </p:sp>
+      <p:pic>
+        <p:nvPicPr>
+          <p:cNvPr id="4" name="그림 3"/>
+          <p:cNvPicPr>
+            <a:picLocks noChangeAspect="1"/>
+          </p:cNvPicPr>
+          <p:nvPr/>
+        </p:nvPicPr>
+        <p:blipFill rotWithShape="1">
+          <a:blip r:embed="rId2"/>
+          <a:stretch>
+            <a:fillRect/>
+          </a:stretch>
+        </p:blipFill>
+        <p:spPr>
+          <a:xfrm>
+            <a:off x="580255" y="1033128"/>
+            <a:ext cx="7039094" cy="3057568"/>
+          </a:xfrm>
+          <a:prstGeom prst="rect">
+            <a:avLst/>
+          </a:prstGeom>
+        </p:spPr>
+      </p:pic>
+      <p:pic>
+        <p:nvPicPr>
+          <p:cNvPr id="5" name="그림 4"/>
+          <p:cNvPicPr>
+            <a:picLocks noChangeAspect="1"/>
+          </p:cNvPicPr>
+          <p:nvPr/>
+        </p:nvPicPr>
+        <p:blipFill rotWithShape="1">
+          <a:blip r:embed="rId3"/>
+          <a:stretch>
+            <a:fillRect/>
+          </a:stretch>
+        </p:blipFill>
+        <p:spPr>
+          <a:xfrm>
+            <a:off x="580255" y="3949360"/>
+            <a:ext cx="8597934" cy="2675580"/>
+          </a:xfrm>
+          <a:prstGeom prst="rect">
+            <a:avLst/>
+          </a:prstGeom>
+        </p:spPr>
+      </p:pic>
+    </p:spTree>
+    <p:extLst>
+      <p:ext uri="{BB962C8B-B14F-4D97-AF65-F5344CB8AC3E}">
+        <p14:creationId xmlns:p14="http://schemas.microsoft.com/office/powerpoint/2010/main" val="2208596677"/>
+      </p:ext>
+    </p:extLst>
+  </p:cSld>
+  <p:clrMapOvr>
+    <a:masterClrMapping/>
+  </p:clrMapOvr>
+  <mc:AlternateContent xmlns:mc="http://schemas.openxmlformats.org/markup-compatibility/2006">
+    <mc:Choice xmlns:p14="http://schemas.microsoft.com/office/powerpoint/2010/main" Requires="p14">
+      <p:transition xmlns:mc="http://schemas.openxmlformats.org/markup-compatibility/2006" xmlns:p14="http://schemas.microsoft.com/office/powerpoint/2010/main" mc:Ignorable="p14" p14:dur="700">
+        <p:fade/>
+      </p:transition>
+    </mc:Choice>
+    <mc:Fallback>
+      <p:transition xmlns:mc="http://schemas.openxmlformats.org/markup-compatibility/2006" xmlns:hp="http://schemas.haansoft.com/office/presentation/8.0" mc:Ignorable="hp" hp:hslDur="700">
+        <p:fade/>
+      </p:transition>
+    </mc:Fallback>
+  </mc:AlternateContent>
+</p:sld>
+</file>
+
+<file path=ppt/slides/slide12.xml><?xml version="1.0" encoding="utf-8"?>
+<p:sld xmlns:r="http://schemas.openxmlformats.org/officeDocument/2006/relationships" xmlns:c="http://schemas.openxmlformats.org/drawingml/2006/chart" xmlns:a="http://schemas.openxmlformats.org/drawingml/2006/main" xmlns:dgm="http://schemas.openxmlformats.org/drawingml/2006/diagram" xmlns:dsp="http://schemas.microsoft.com/office/drawing/2008/diagram" xmlns:p="http://schemas.openxmlformats.org/presentationml/2006/main">
+  <p:cSld>
+    <p:spTree>
+      <p:nvGrpSpPr>
+        <p:cNvPr id="1" name=""/>
+        <p:cNvGrpSpPr/>
+        <p:nvPr/>
+      </p:nvGrpSpPr>
+      <p:grpSpPr>
+        <a:xfrm>
+          <a:off x="0" y="0"/>
+          <a:ext cx="0" cy="0"/>
+          <a:chOff x="0" y="0"/>
+          <a:chExt cx="0" cy="0"/>
+        </a:xfrm>
+      </p:grpSpPr>
+      <p:sp>
+        <p:nvSpPr>
+          <p:cNvPr id="3" name="제목 2"/>
+          <p:cNvSpPr>
+            <a:spLocks noGrp="1"/>
+          </p:cNvSpPr>
+          <p:nvPr>
+            <p:ph type="title" idx="0"/>
+          </p:nvPr>
+        </p:nvSpPr>
+        <p:spPr/>
+        <p:txBody>
+          <a:bodyPr/>
+          <a:lstStyle/>
+          <a:p>
+            <a:pPr lvl="0">
+              <a:defRPr/>
+            </a:pPr>
+            <a:r>
+              <a:rPr lang="ko-KR" altLang="en-US"/>
+              <a:t>지도</a:t>
+            </a:r>
+            <a:endParaRPr lang="ko-KR" altLang="en-US"/>
+          </a:p>
+        </p:txBody>
+      </p:sp>
+      <p:pic>
+        <p:nvPicPr>
+          <p:cNvPr id="4" name="그림 3"/>
+          <p:cNvPicPr>
+            <a:picLocks noChangeAspect="1"/>
+          </p:cNvPicPr>
+          <p:nvPr/>
+        </p:nvPicPr>
+        <p:blipFill rotWithShape="1">
+          <a:blip r:embed="rId2"/>
+          <a:stretch>
+            <a:fillRect/>
+          </a:stretch>
+        </p:blipFill>
+        <p:spPr>
+          <a:xfrm>
+            <a:off x="415452" y="1098803"/>
+            <a:ext cx="10151371" cy="5242414"/>
+          </a:xfrm>
+          <a:prstGeom prst="rect">
+            <a:avLst/>
+          </a:prstGeom>
+        </p:spPr>
+      </p:pic>
+    </p:spTree>
+    <p:extLst>
+      <p:ext uri="{BB962C8B-B14F-4D97-AF65-F5344CB8AC3E}">
+        <p14:creationId xmlns:p14="http://schemas.microsoft.com/office/powerpoint/2010/main" val="2400682286"/>
+      </p:ext>
+    </p:extLst>
+  </p:cSld>
+  <p:clrMapOvr>
+    <a:masterClrMapping/>
+  </p:clrMapOvr>
+  <mc:AlternateContent xmlns:mc="http://schemas.openxmlformats.org/markup-compatibility/2006">
+    <mc:Choice xmlns:p14="http://schemas.microsoft.com/office/powerpoint/2010/main" Requires="p14">
+      <p:transition xmlns:mc="http://schemas.openxmlformats.org/markup-compatibility/2006" xmlns:p14="http://schemas.microsoft.com/office/powerpoint/2010/main" mc:Ignorable="p14" p14:dur="700">
+        <p:fade/>
+      </p:transition>
+    </mc:Choice>
+    <mc:Fallback>
+      <p:transition xmlns:mc="http://schemas.openxmlformats.org/markup-compatibility/2006" xmlns:hp="http://schemas.haansoft.com/office/presentation/8.0" mc:Ignorable="hp" hp:hslDur="700">
+        <p:fade/>
+      </p:transition>
+    </mc:Fallback>
+  </mc:AlternateContent>
+</p:sld>
+</file>
+
+<file path=ppt/slides/slide13.xml><?xml version="1.0" encoding="utf-8"?>
+<p:sld xmlns:r="http://schemas.openxmlformats.org/officeDocument/2006/relationships" xmlns:c="http://schemas.openxmlformats.org/drawingml/2006/chart" xmlns:a="http://schemas.openxmlformats.org/drawingml/2006/main" xmlns:dgm="http://schemas.openxmlformats.org/drawingml/2006/diagram" xmlns:dsp="http://schemas.microsoft.com/office/drawing/2008/diagram" xmlns:p="http://schemas.openxmlformats.org/presentationml/2006/main">
+  <p:cSld>
+    <p:spTree>
+      <p:nvGrpSpPr>
+        <p:cNvPr id="1" name=""/>
+        <p:cNvGrpSpPr/>
+        <p:nvPr/>
+      </p:nvGrpSpPr>
+      <p:grpSpPr>
+        <a:xfrm>
+          <a:off x="0" y="0"/>
+          <a:ext cx="0" cy="0"/>
+          <a:chOff x="0" y="0"/>
+          <a:chExt cx="0" cy="0"/>
+        </a:xfrm>
+      </p:grpSpPr>
+      <p:sp>
+        <p:nvSpPr>
+          <p:cNvPr id="3" name="제목 2"/>
+          <p:cNvSpPr>
+            <a:spLocks noGrp="1"/>
+          </p:cNvSpPr>
+          <p:nvPr>
+            <p:ph type="title" idx="0"/>
+          </p:nvPr>
+        </p:nvSpPr>
+        <p:spPr/>
+        <p:txBody>
+          <a:bodyPr/>
+          <a:lstStyle/>
+          <a:p>
+            <a:pPr lvl="0">
+              <a:defRPr/>
+            </a:pPr>
+            <a:r>
+              <a:rPr lang="ko-KR" altLang="en-US"/>
               <a:t>영화 차트 및 평점 크롤링</a:t>
             </a:r>
             <a:endParaRPr lang="ko-KR" altLang="en-US"/>
@@ -3919,7 +4222,7 @@
 </p:sld>
 </file>
 
-<file path=ppt/slides/slide11.xml><?xml version="1.0" encoding="utf-8"?>
+<file path=ppt/slides/slide14.xml><?xml version="1.0" encoding="utf-8"?>
 <p:sld xmlns:r="http://schemas.openxmlformats.org/officeDocument/2006/relationships" xmlns:c="http://schemas.openxmlformats.org/drawingml/2006/chart" xmlns:a="http://schemas.openxmlformats.org/drawingml/2006/main" xmlns:dgm="http://schemas.openxmlformats.org/drawingml/2006/diagram" xmlns:dsp="http://schemas.microsoft.com/office/drawing/2008/diagram" xmlns:p="http://schemas.openxmlformats.org/presentationml/2006/main">
   <p:cSld>
     <p:spTree>
@@ -4175,7 +4478,7 @@
 </p:sld>
 </file>
 
-<file path=ppt/slides/slide12.xml><?xml version="1.0" encoding="utf-8"?>
+<file path=ppt/slides/slide15.xml><?xml version="1.0" encoding="utf-8"?>
 <p:sld xmlns:r="http://schemas.openxmlformats.org/officeDocument/2006/relationships" xmlns:c="http://schemas.openxmlformats.org/drawingml/2006/chart" xmlns:a="http://schemas.openxmlformats.org/drawingml/2006/main" xmlns:dgm="http://schemas.openxmlformats.org/drawingml/2006/diagram" xmlns:dsp="http://schemas.microsoft.com/office/drawing/2008/diagram" xmlns:p="http://schemas.openxmlformats.org/presentationml/2006/main">
   <p:cSld>
     <p:spTree>
@@ -4314,7 +4617,7 @@
 </p:sld>
 </file>
 
-<file path=ppt/slides/slide13.xml><?xml version="1.0" encoding="utf-8"?>
+<file path=ppt/slides/slide16.xml><?xml version="1.0" encoding="utf-8"?>
 <p:sld xmlns:r="http://schemas.openxmlformats.org/officeDocument/2006/relationships" xmlns:c="http://schemas.openxmlformats.org/drawingml/2006/chart" xmlns:a="http://schemas.openxmlformats.org/drawingml/2006/main" xmlns:dgm="http://schemas.openxmlformats.org/drawingml/2006/diagram" xmlns:dsp="http://schemas.microsoft.com/office/drawing/2008/diagram" xmlns:p="http://schemas.openxmlformats.org/presentationml/2006/main">
   <p:cSld>
     <p:spTree>
@@ -4437,7 +4740,7 @@
 </p:sld>
 </file>
 
-<file path=ppt/slides/slide14.xml><?xml version="1.0" encoding="utf-8"?>
+<file path=ppt/slides/slide17.xml><?xml version="1.0" encoding="utf-8"?>
 <p:sld xmlns:r="http://schemas.openxmlformats.org/officeDocument/2006/relationships" xmlns:c="http://schemas.openxmlformats.org/drawingml/2006/chart" xmlns:a="http://schemas.openxmlformats.org/drawingml/2006/main" xmlns:dgm="http://schemas.openxmlformats.org/drawingml/2006/diagram" xmlns:dsp="http://schemas.microsoft.com/office/drawing/2008/diagram" xmlns:p="http://schemas.openxmlformats.org/presentationml/2006/main">
   <p:cSld>
     <p:spTree>
@@ -4564,7 +4867,7 @@
 </p:sld>
 </file>
 
-<file path=ppt/slides/slide15.xml><?xml version="1.0" encoding="utf-8"?>
+<file path=ppt/slides/slide18.xml><?xml version="1.0" encoding="utf-8"?>
 <p:sld xmlns:r="http://schemas.openxmlformats.org/officeDocument/2006/relationships" xmlns:c="http://schemas.openxmlformats.org/drawingml/2006/chart" xmlns:a="http://schemas.openxmlformats.org/drawingml/2006/main" xmlns:dgm="http://schemas.openxmlformats.org/drawingml/2006/diagram" xmlns:dsp="http://schemas.microsoft.com/office/drawing/2008/diagram" xmlns:p="http://schemas.openxmlformats.org/presentationml/2006/main">
   <p:cSld>
     <p:spTree>
@@ -4656,7 +4959,7 @@
 </p:sld>
 </file>
 
-<file path=ppt/slides/slide16.xml><?xml version="1.0" encoding="utf-8"?>
+<file path=ppt/slides/slide19.xml><?xml version="1.0" encoding="utf-8"?>
 <p:sld xmlns:r="http://schemas.openxmlformats.org/officeDocument/2006/relationships" xmlns:c="http://schemas.openxmlformats.org/drawingml/2006/chart" xmlns:a="http://schemas.openxmlformats.org/drawingml/2006/main" xmlns:dgm="http://schemas.openxmlformats.org/drawingml/2006/diagram" xmlns:dsp="http://schemas.microsoft.com/office/drawing/2008/diagram" xmlns:p="http://schemas.openxmlformats.org/presentationml/2006/main">
   <p:cSld>
     <p:spTree>
@@ -4784,60 +5087,6 @@
       </p:transition>
     </mc:Fallback>
   </mc:AlternateContent>
-</p:sld>
-</file>
-
-<file path=ppt/slides/slide17.xml><?xml version="1.0" encoding="utf-8"?>
-<p:sld xmlns:r="http://schemas.openxmlformats.org/officeDocument/2006/relationships" xmlns:c="http://schemas.openxmlformats.org/drawingml/2006/chart" xmlns:a="http://schemas.openxmlformats.org/drawingml/2006/main" xmlns:dgm="http://schemas.openxmlformats.org/drawingml/2006/diagram" xmlns:dsp="http://schemas.microsoft.com/office/drawing/2008/diagram" xmlns:p="http://schemas.openxmlformats.org/presentationml/2006/main">
-  <p:cSld>
-    <p:spTree>
-      <p:nvGrpSpPr>
-        <p:cNvPr id="1" name=""/>
-        <p:cNvGrpSpPr/>
-        <p:nvPr/>
-      </p:nvGrpSpPr>
-      <p:grpSpPr>
-        <a:xfrm>
-          <a:off x="0" y="0"/>
-          <a:ext cx="0" cy="0"/>
-          <a:chOff x="0" y="0"/>
-          <a:chExt cx="0" cy="0"/>
-        </a:xfrm>
-      </p:grpSpPr>
-      <p:pic>
-        <p:nvPicPr>
-          <p:cNvPr id="3" name="그림 2"/>
-          <p:cNvPicPr>
-            <a:picLocks noChangeAspect="1"/>
-          </p:cNvPicPr>
-          <p:nvPr/>
-        </p:nvPicPr>
-        <p:blipFill rotWithShape="1">
-          <a:blip r:embed="rId2"/>
-          <a:stretch>
-            <a:fillRect/>
-          </a:stretch>
-        </p:blipFill>
-        <p:spPr>
-          <a:xfrm>
-            <a:off x="0" y="0"/>
-            <a:ext cx="12192000" cy="6858000"/>
-          </a:xfrm>
-          <a:prstGeom prst="rect">
-            <a:avLst/>
-          </a:prstGeom>
-        </p:spPr>
-      </p:pic>
-    </p:spTree>
-    <p:extLst>
-      <p:ext uri="{BB962C8B-B14F-4D97-AF65-F5344CB8AC3E}">
-        <p14:creationId xmlns:p14="http://schemas.microsoft.com/office/powerpoint/2010/main" val="2048362559"/>
-      </p:ext>
-    </p:extLst>
-  </p:cSld>
-  <p:clrMapOvr>
-    <a:masterClrMapping/>
-  </p:clrMapOvr>
 </p:sld>
 </file>
 
@@ -5636,6 +5885,60 @@
 </p:sld>
 </file>
 
+<file path=ppt/slides/slide20.xml><?xml version="1.0" encoding="utf-8"?>
+<p:sld xmlns:r="http://schemas.openxmlformats.org/officeDocument/2006/relationships" xmlns:c="http://schemas.openxmlformats.org/drawingml/2006/chart" xmlns:a="http://schemas.openxmlformats.org/drawingml/2006/main" xmlns:dgm="http://schemas.openxmlformats.org/drawingml/2006/diagram" xmlns:dsp="http://schemas.microsoft.com/office/drawing/2008/diagram" xmlns:p="http://schemas.openxmlformats.org/presentationml/2006/main">
+  <p:cSld>
+    <p:spTree>
+      <p:nvGrpSpPr>
+        <p:cNvPr id="1" name=""/>
+        <p:cNvGrpSpPr/>
+        <p:nvPr/>
+      </p:nvGrpSpPr>
+      <p:grpSpPr>
+        <a:xfrm>
+          <a:off x="0" y="0"/>
+          <a:ext cx="0" cy="0"/>
+          <a:chOff x="0" y="0"/>
+          <a:chExt cx="0" cy="0"/>
+        </a:xfrm>
+      </p:grpSpPr>
+      <p:pic>
+        <p:nvPicPr>
+          <p:cNvPr id="3" name="그림 2"/>
+          <p:cNvPicPr>
+            <a:picLocks noChangeAspect="1"/>
+          </p:cNvPicPr>
+          <p:nvPr/>
+        </p:nvPicPr>
+        <p:blipFill rotWithShape="1">
+          <a:blip r:embed="rId2"/>
+          <a:stretch>
+            <a:fillRect/>
+          </a:stretch>
+        </p:blipFill>
+        <p:spPr>
+          <a:xfrm>
+            <a:off x="0" y="0"/>
+            <a:ext cx="12192000" cy="6858000"/>
+          </a:xfrm>
+          <a:prstGeom prst="rect">
+            <a:avLst/>
+          </a:prstGeom>
+        </p:spPr>
+      </p:pic>
+    </p:spTree>
+    <p:extLst>
+      <p:ext uri="{BB962C8B-B14F-4D97-AF65-F5344CB8AC3E}">
+        <p14:creationId xmlns:p14="http://schemas.microsoft.com/office/powerpoint/2010/main" val="2048362559"/>
+      </p:ext>
+    </p:extLst>
+  </p:cSld>
+  <p:clrMapOvr>
+    <a:masterClrMapping/>
+  </p:clrMapOvr>
+</p:sld>
+</file>
+
 <file path=ppt/slides/slide3.xml><?xml version="1.0" encoding="utf-8"?>
 <p:sld xmlns:r="http://schemas.openxmlformats.org/officeDocument/2006/relationships" xmlns:c="http://schemas.openxmlformats.org/drawingml/2006/chart" xmlns:a="http://schemas.openxmlformats.org/drawingml/2006/main" xmlns:dgm="http://schemas.openxmlformats.org/drawingml/2006/diagram" xmlns:dsp="http://schemas.microsoft.com/office/drawing/2008/diagram" xmlns:p="http://schemas.openxmlformats.org/presentationml/2006/main">
   <p:cSld>
@@ -6172,8 +6475,59 @@
               <a:defRPr/>
             </a:pPr>
             <a:r>
+              <a:rPr lang="en-US" altLang="ko-KR"/>
+              <a:t>DB</a:t>
+            </a:r>
+            <a:r>
               <a:rPr lang="ko-KR" altLang="en-US"/>
-              <a:t>게시판 </a:t>
+              <a:t> </a:t>
+            </a:r>
+            <a:r>
+              <a:rPr lang="en-US" altLang="ko-KR"/>
+              <a:t>CRUD</a:t>
+            </a:r>
+            <a:endParaRPr lang="en-US" altLang="ko-KR"/>
+          </a:p>
+        </p:txBody>
+      </p:sp>
+      <p:sp>
+        <p:nvSpPr>
+          <p:cNvPr id="6" name="가로 글상자 5"/>
+          <p:cNvSpPr txBox="1"/>
+          <p:nvPr/>
+        </p:nvSpPr>
+        <p:spPr>
+          <a:xfrm>
+            <a:off x="6666689" y="1067244"/>
+            <a:ext cx="3545082" cy="360856"/>
+          </a:xfrm>
+          <a:prstGeom prst="rect">
+            <a:avLst/>
+          </a:prstGeom>
+        </p:spPr>
+        <p:txBody>
+          <a:bodyPr wrap="none">
+            <a:spAutoFit/>
+          </a:bodyPr>
+          <a:p>
+            <a:pPr lvl="0">
+              <a:defRPr/>
+            </a:pPr>
+            <a:r>
+              <a:rPr lang="en-US" altLang="ko-KR"/>
+              <a:t>settings.py</a:t>
+            </a:r>
+            <a:r>
+              <a:rPr lang="ko-KR" altLang="en-US"/>
+              <a:t> 설정 및 </a:t>
+            </a:r>
+            <a:r>
+              <a:rPr lang="en-US" altLang="ko-KR"/>
+              <a:t>models.py</a:t>
+            </a:r>
+            <a:r>
+              <a:rPr lang="ko-KR" altLang="en-US"/>
+              <a:t> 설정</a:t>
             </a:r>
             <a:endParaRPr lang="ko-KR" altLang="en-US"/>
           </a:p>
@@ -6181,7 +6535,7 @@
       </p:sp>
       <p:pic>
         <p:nvPicPr>
-          <p:cNvPr id="4" name="그림 3"/>
+          <p:cNvPr id="7" name="그림 6"/>
           <p:cNvPicPr>
             <a:picLocks noChangeAspect="1"/>
           </p:cNvPicPr>
@@ -6195,49 +6549,42 @@
         </p:blipFill>
         <p:spPr>
           <a:xfrm>
-            <a:off x="329873" y="1003492"/>
-            <a:ext cx="11471454" cy="5377930"/>
+            <a:off x="276238" y="1067244"/>
+            <a:ext cx="5620534" cy="3219899"/>
           </a:xfrm>
           <a:prstGeom prst="rect">
             <a:avLst/>
           </a:prstGeom>
         </p:spPr>
       </p:pic>
-      <p:sp>
-        <p:nvSpPr>
-          <p:cNvPr id="5" name="가로 글상자 4"/>
-          <p:cNvSpPr txBox="1"/>
+      <p:pic>
+        <p:nvPicPr>
+          <p:cNvPr id="8" name="그림 7"/>
+          <p:cNvPicPr>
+            <a:picLocks noChangeAspect="1"/>
+          </p:cNvPicPr>
           <p:nvPr/>
-        </p:nvSpPr>
+        </p:nvPicPr>
+        <p:blipFill rotWithShape="1">
+          <a:blip r:embed="rId3"/>
+          <a:stretch>
+            <a:fillRect/>
+          </a:stretch>
+        </p:blipFill>
         <p:spPr>
           <a:xfrm>
-            <a:off x="8857603" y="5698788"/>
-            <a:ext cx="1760989" cy="359234"/>
+            <a:off x="6096000" y="2459102"/>
+            <a:ext cx="5774127" cy="4000603"/>
           </a:xfrm>
           <a:prstGeom prst="rect">
             <a:avLst/>
           </a:prstGeom>
         </p:spPr>
-        <p:txBody>
-          <a:bodyPr wrap="none">
-            <a:spAutoFit/>
-          </a:bodyPr>
-          <a:p>
-            <a:pPr lvl="0">
-              <a:defRPr/>
-            </a:pPr>
-            <a:r>
-              <a:rPr lang="ko-KR" altLang="en-US"/>
-              <a:t>글 생성 후 모습</a:t>
-            </a:r>
-            <a:endParaRPr lang="ko-KR" altLang="en-US"/>
-          </a:p>
-        </p:txBody>
-      </p:sp>
+      </p:pic>
     </p:spTree>
     <p:extLst>
       <p:ext uri="{BB962C8B-B14F-4D97-AF65-F5344CB8AC3E}">
-        <p14:creationId xmlns:p14="http://schemas.microsoft.com/office/powerpoint/2010/main" val="3653758781"/>
+        <p14:creationId xmlns:p14="http://schemas.microsoft.com/office/powerpoint/2010/main" val="3359927628"/>
       </p:ext>
     </p:extLst>
   </p:cSld>
@@ -6295,16 +6642,55 @@
               <a:defRPr/>
             </a:pPr>
             <a:r>
+              <a:rPr lang="en-US" altLang="ko-KR"/>
+              <a:t>DB</a:t>
+            </a:r>
+            <a:r>
               <a:rPr lang="ko-KR" altLang="en-US"/>
-              <a:t>댓글 작성</a:t>
-            </a:r>
-            <a:endParaRPr lang="ko-KR" altLang="en-US"/>
+              <a:t> </a:t>
+            </a:r>
+            <a:r>
+              <a:rPr lang="en-US" altLang="ko-KR"/>
+              <a:t>CRUD</a:t>
+            </a:r>
+            <a:endParaRPr lang="en-US" altLang="ko-KR"/>
+          </a:p>
+        </p:txBody>
+      </p:sp>
+      <p:sp>
+        <p:nvSpPr>
+          <p:cNvPr id="9" name="가로 글상자 8"/>
+          <p:cNvSpPr txBox="1"/>
+          <p:nvPr/>
+        </p:nvSpPr>
+        <p:spPr>
+          <a:xfrm>
+            <a:off x="2514154" y="976818"/>
+            <a:ext cx="1188476" cy="361059"/>
+          </a:xfrm>
+          <a:prstGeom prst="rect">
+            <a:avLst/>
+          </a:prstGeom>
+        </p:spPr>
+        <p:txBody>
+          <a:bodyPr wrap="none">
+            <a:spAutoFit/>
+          </a:bodyPr>
+          <a:p>
+            <a:pPr lvl="0">
+              <a:defRPr/>
+            </a:pPr>
+            <a:r>
+              <a:rPr lang="en-US" altLang="ko-KR"/>
+              <a:t>models.py</a:t>
+            </a:r>
+            <a:endParaRPr lang="en-US" altLang="ko-KR"/>
           </a:p>
         </p:txBody>
       </p:sp>
       <p:pic>
         <p:nvPicPr>
-          <p:cNvPr id="4" name="그림 3"/>
+          <p:cNvPr id="10" name="그림 9"/>
           <p:cNvPicPr>
             <a:picLocks noChangeAspect="1"/>
           </p:cNvPicPr>
@@ -6318,8 +6704,8 @@
         </p:blipFill>
         <p:spPr>
           <a:xfrm>
-            <a:off x="451043" y="1280764"/>
-            <a:ext cx="10144888" cy="4852567"/>
+            <a:off x="824859" y="1337877"/>
+            <a:ext cx="7512521" cy="5124550"/>
           </a:xfrm>
           <a:prstGeom prst="rect">
             <a:avLst/>
@@ -6329,7 +6715,7 @@
     </p:spTree>
     <p:extLst>
       <p:ext uri="{BB962C8B-B14F-4D97-AF65-F5344CB8AC3E}">
-        <p14:creationId xmlns:p14="http://schemas.microsoft.com/office/powerpoint/2010/main" val="1072697887"/>
+        <p14:creationId xmlns:p14="http://schemas.microsoft.com/office/powerpoint/2010/main" val="1652891295"/>
       </p:ext>
     </p:extLst>
   </p:cSld>
@@ -6387,16 +6773,51 @@
               <a:defRPr/>
             </a:pPr>
             <a:r>
+              <a:rPr lang="en-US" altLang="ko-KR"/>
+              <a:t>Url</a:t>
+            </a:r>
+            <a:r>
               <a:rPr lang="ko-KR" altLang="en-US"/>
-              <a:t>페이징과 검색</a:t>
-            </a:r>
-            <a:endParaRPr lang="ko-KR" altLang="en-US"/>
+              <a:t> 설정 링크 연결</a:t>
+            </a:r>
+            <a:endParaRPr lang="ko-KR" altLang="en-US"/>
+          </a:p>
+        </p:txBody>
+      </p:sp>
+      <p:sp>
+        <p:nvSpPr>
+          <p:cNvPr id="9" name="가로 글상자 8"/>
+          <p:cNvSpPr txBox="1"/>
+          <p:nvPr/>
+        </p:nvSpPr>
+        <p:spPr>
+          <a:xfrm>
+            <a:off x="2861310" y="976818"/>
+            <a:ext cx="841320" cy="364302"/>
+          </a:xfrm>
+          <a:prstGeom prst="rect">
+            <a:avLst/>
+          </a:prstGeom>
+        </p:spPr>
+        <p:txBody>
+          <a:bodyPr wrap="none">
+            <a:spAutoFit/>
+          </a:bodyPr>
+          <a:p>
+            <a:pPr lvl="0">
+              <a:defRPr/>
+            </a:pPr>
+            <a:r>
+              <a:rPr lang="en-US" altLang="ko-KR"/>
+              <a:t>urls.py</a:t>
+            </a:r>
+            <a:endParaRPr lang="en-US" altLang="ko-KR"/>
           </a:p>
         </p:txBody>
       </p:sp>
       <p:pic>
         <p:nvPicPr>
-          <p:cNvPr id="4" name="그림 3"/>
+          <p:cNvPr id="12" name="그림 11"/>
           <p:cNvPicPr>
             <a:picLocks noChangeAspect="1"/>
           </p:cNvPicPr>
@@ -6410,8 +6831,8 @@
         </p:blipFill>
         <p:spPr>
           <a:xfrm>
-            <a:off x="580255" y="1033128"/>
-            <a:ext cx="7039094" cy="3057568"/>
+            <a:off x="230394" y="1341120"/>
+            <a:ext cx="5424242" cy="4565729"/>
           </a:xfrm>
           <a:prstGeom prst="rect">
             <a:avLst/>
@@ -6420,7 +6841,7 @@
       </p:pic>
       <p:pic>
         <p:nvPicPr>
-          <p:cNvPr id="5" name="그림 4"/>
+          <p:cNvPr id="13" name="그림 12"/>
           <p:cNvPicPr>
             <a:picLocks noChangeAspect="1"/>
           </p:cNvPicPr>
@@ -6434,8 +6855,8 @@
         </p:blipFill>
         <p:spPr>
           <a:xfrm>
-            <a:off x="580255" y="3949360"/>
-            <a:ext cx="8597934" cy="2675580"/>
+            <a:off x="5822408" y="1341120"/>
+            <a:ext cx="6069711" cy="4565729"/>
           </a:xfrm>
           <a:prstGeom prst="rect">
             <a:avLst/>
@@ -6445,7 +6866,7 @@
     </p:spTree>
     <p:extLst>
       <p:ext uri="{BB962C8B-B14F-4D97-AF65-F5344CB8AC3E}">
-        <p14:creationId xmlns:p14="http://schemas.microsoft.com/office/powerpoint/2010/main" val="2208596677"/>
+        <p14:creationId xmlns:p14="http://schemas.microsoft.com/office/powerpoint/2010/main" val="2705651176"/>
       </p:ext>
     </p:extLst>
   </p:cSld>
@@ -6504,7 +6925,7 @@
             </a:pPr>
             <a:r>
               <a:rPr lang="ko-KR" altLang="en-US"/>
-              <a:t>지도</a:t>
+              <a:t>게시판 </a:t>
             </a:r>
             <a:endParaRPr lang="ko-KR" altLang="en-US"/>
           </a:p>
@@ -6526,18 +6947,49 @@
         </p:blipFill>
         <p:spPr>
           <a:xfrm>
-            <a:off x="415452" y="1098803"/>
-            <a:ext cx="10151371" cy="5242414"/>
+            <a:off x="329873" y="1003492"/>
+            <a:ext cx="11471454" cy="5377930"/>
           </a:xfrm>
           <a:prstGeom prst="rect">
             <a:avLst/>
           </a:prstGeom>
         </p:spPr>
       </p:pic>
+      <p:sp>
+        <p:nvSpPr>
+          <p:cNvPr id="5" name="가로 글상자 4"/>
+          <p:cNvSpPr txBox="1"/>
+          <p:nvPr/>
+        </p:nvSpPr>
+        <p:spPr>
+          <a:xfrm>
+            <a:off x="8857603" y="5698788"/>
+            <a:ext cx="1760989" cy="359234"/>
+          </a:xfrm>
+          <a:prstGeom prst="rect">
+            <a:avLst/>
+          </a:prstGeom>
+        </p:spPr>
+        <p:txBody>
+          <a:bodyPr wrap="none">
+            <a:spAutoFit/>
+          </a:bodyPr>
+          <a:p>
+            <a:pPr lvl="0">
+              <a:defRPr/>
+            </a:pPr>
+            <a:r>
+              <a:rPr lang="ko-KR" altLang="en-US"/>
+              <a:t>글 생성 후 모습</a:t>
+            </a:r>
+            <a:endParaRPr lang="ko-KR" altLang="en-US"/>
+          </a:p>
+        </p:txBody>
+      </p:sp>
     </p:spTree>
     <p:extLst>
       <p:ext uri="{BB962C8B-B14F-4D97-AF65-F5344CB8AC3E}">
-        <p14:creationId xmlns:p14="http://schemas.microsoft.com/office/powerpoint/2010/main" val="2400682286"/>
+        <p14:creationId xmlns:p14="http://schemas.microsoft.com/office/powerpoint/2010/main" val="3653758781"/>
       </p:ext>
     </p:extLst>
   </p:cSld>
